--- a/slides/java/ppt/02 - Java Basics.pptx
+++ b/slides/java/ppt/02 - Java Basics.pptx
@@ -307,7 +307,7 @@
             <a:fld id="{BAEB7694-8561-4BE2-948D-EDF7A201F8BB}" type="datetimeFigureOut">
               <a:rPr lang="it-IT" smtClean="0"/>
               <a:pPr/>
-              <a:t>02/11/20</a:t>
+              <a:t>20/11/20</a:t>
             </a:fld>
             <a:endParaRPr lang="it-IT"/>
           </a:p>
@@ -15770,102 +15770,6 @@
           <a:chExt cx="0" cy="0"/>
         </a:xfrm>
       </p:grpSpPr>
-      <p:sp>
-        <p:nvSpPr>
-          <p:cNvPr id="2" name="Title 1"/>
-          <p:cNvSpPr>
-            <a:spLocks noGrp="1"/>
-          </p:cNvSpPr>
-          <p:nvPr>
-            <p:ph type="title"/>
-          </p:nvPr>
-        </p:nvSpPr>
-        <p:spPr/>
-        <p:txBody>
-          <a:bodyPr/>
-          <a:lstStyle/>
-          <a:p>
-            <a:r>
-              <a:rPr lang="en-US" dirty="0"/>
-              <a:t>Class</a:t>
-            </a:r>
-          </a:p>
-        </p:txBody>
-      </p:sp>
-      <p:sp>
-        <p:nvSpPr>
-          <p:cNvPr id="3" name="Content Placeholder 2"/>
-          <p:cNvSpPr>
-            <a:spLocks noGrp="1"/>
-          </p:cNvSpPr>
-          <p:nvPr>
-            <p:ph idx="1"/>
-          </p:nvPr>
-        </p:nvSpPr>
-        <p:spPr/>
-        <p:txBody>
-          <a:bodyPr/>
-          <a:lstStyle/>
-          <a:p>
-            <a:pPr marL="0" indent="0" algn="ctr">
-              <a:buNone/>
-            </a:pPr>
-            <a:r>
-              <a:rPr lang="en-US" dirty="0"/>
-              <a:t>Descriptor of a class of objects </a:t>
-            </a:r>
-            <a:r>
-              <a:rPr lang="en-US" i="1" dirty="0"/>
-              <a:t>(Platonic idea)</a:t>
-            </a:r>
-          </a:p>
-          <a:p>
-            <a:endParaRPr lang="en-US" i="1" dirty="0"/>
-          </a:p>
-          <a:p>
-            <a:endParaRPr lang="en-US" i="1" dirty="0"/>
-          </a:p>
-          <a:p>
-            <a:endParaRPr lang="en-US" i="1" dirty="0"/>
-          </a:p>
-          <a:p>
-            <a:endParaRPr lang="en-US" i="1" dirty="0"/>
-          </a:p>
-          <a:p>
-            <a:endParaRPr lang="en-US" i="1" dirty="0"/>
-          </a:p>
-          <a:p>
-            <a:pPr marL="0" indent="0">
-              <a:buNone/>
-            </a:pPr>
-            <a:endParaRPr lang="en-US" i="1" dirty="0"/>
-          </a:p>
-        </p:txBody>
-      </p:sp>
-      <p:sp>
-        <p:nvSpPr>
-          <p:cNvPr id="4" name="Slide Number Placeholder 3"/>
-          <p:cNvSpPr>
-            <a:spLocks noGrp="1"/>
-          </p:cNvSpPr>
-          <p:nvPr>
-            <p:ph type="sldNum" sz="quarter" idx="12"/>
-          </p:nvPr>
-        </p:nvSpPr>
-        <p:spPr/>
-        <p:txBody>
-          <a:bodyPr/>
-          <a:lstStyle/>
-          <a:p>
-            <a:fld id="{D2040F39-7941-49A4-B48D-F201B18B6351}" type="slidenum">
-              <a:rPr lang="it-IT" smtClean="0"/>
-              <a:pPr/>
-              <a:t>48</a:t>
-            </a:fld>
-            <a:endParaRPr lang="it-IT" dirty="0"/>
-          </a:p>
-        </p:txBody>
-      </p:sp>
       <p:pic>
         <p:nvPicPr>
           <p:cNvPr id="5" name="Picture 4" descr="Screen Shot 2016-03-07 at 12.48.01.png"/>
@@ -15888,14 +15792,123 @@
         </p:blipFill>
         <p:spPr>
           <a:xfrm>
-            <a:off x="1691680" y="2296993"/>
-            <a:ext cx="5760640" cy="3580279"/>
+            <a:off x="457200" y="1417638"/>
+            <a:ext cx="8753498" cy="5440362"/>
           </a:xfrm>
           <a:prstGeom prst="rect">
             <a:avLst/>
           </a:prstGeom>
         </p:spPr>
       </p:pic>
+      <p:sp>
+        <p:nvSpPr>
+          <p:cNvPr id="2" name="Title 1"/>
+          <p:cNvSpPr>
+            <a:spLocks noGrp="1"/>
+          </p:cNvSpPr>
+          <p:nvPr>
+            <p:ph type="title"/>
+          </p:nvPr>
+        </p:nvSpPr>
+        <p:spPr/>
+        <p:txBody>
+          <a:bodyPr/>
+          <a:lstStyle/>
+          <a:p>
+            <a:r>
+              <a:rPr lang="en-US" dirty="0"/>
+              <a:t>Class</a:t>
+            </a:r>
+          </a:p>
+        </p:txBody>
+      </p:sp>
+      <p:sp>
+        <p:nvSpPr>
+          <p:cNvPr id="3" name="Content Placeholder 2"/>
+          <p:cNvSpPr>
+            <a:spLocks noGrp="1"/>
+          </p:cNvSpPr>
+          <p:nvPr>
+            <p:ph idx="1"/>
+          </p:nvPr>
+        </p:nvSpPr>
+        <p:spPr>
+          <a:xfrm>
+            <a:off x="4586188" y="3349742"/>
+            <a:ext cx="3384376" cy="1080853"/>
+          </a:xfrm>
+        </p:spPr>
+        <p:txBody>
+          <a:bodyPr/>
+          <a:lstStyle/>
+          <a:p>
+            <a:pPr marL="0" indent="0" algn="ctr">
+              <a:buNone/>
+            </a:pPr>
+            <a:r>
+              <a:rPr lang="en-US" sz="2000" dirty="0">
+                <a:solidFill>
+                  <a:schemeClr val="bg1"/>
+                </a:solidFill>
+              </a:rPr>
+              <a:t>Descriptor of a class of objects </a:t>
+            </a:r>
+            <a:r>
+              <a:rPr lang="en-US" sz="2000" i="1" dirty="0">
+                <a:solidFill>
+                  <a:schemeClr val="bg1"/>
+                </a:solidFill>
+              </a:rPr>
+              <a:t>(Platonic idea)</a:t>
+            </a:r>
+          </a:p>
+          <a:p>
+            <a:endParaRPr lang="en-US" i="1" dirty="0"/>
+          </a:p>
+          <a:p>
+            <a:endParaRPr lang="en-US" i="1" dirty="0"/>
+          </a:p>
+          <a:p>
+            <a:endParaRPr lang="en-US" i="1" dirty="0"/>
+          </a:p>
+          <a:p>
+            <a:endParaRPr lang="en-US" i="1" dirty="0"/>
+          </a:p>
+          <a:p>
+            <a:endParaRPr lang="en-US" i="1" dirty="0"/>
+          </a:p>
+          <a:p>
+            <a:pPr marL="0" indent="0">
+              <a:buNone/>
+            </a:pPr>
+            <a:endParaRPr lang="en-US" i="1" dirty="0"/>
+          </a:p>
+        </p:txBody>
+      </p:sp>
+      <p:sp>
+        <p:nvSpPr>
+          <p:cNvPr id="4" name="Slide Number Placeholder 3"/>
+          <p:cNvSpPr>
+            <a:spLocks noGrp="1"/>
+          </p:cNvSpPr>
+          <p:nvPr>
+            <p:ph type="sldNum" sz="quarter" idx="12"/>
+          </p:nvPr>
+        </p:nvSpPr>
+        <p:spPr/>
+        <p:txBody>
+          <a:bodyPr/>
+          <a:lstStyle/>
+          <a:p>
+            <a:fld id="{D2040F39-7941-49A4-B48D-F201B18B6351}" type="slidenum">
+              <a:rPr lang="it-IT" smtClean="0"/>
+              <a:pPr/>
+              <a:t>48</a:t>
+            </a:fld>
+            <a:endParaRPr lang="it-IT" dirty="0"/>
+          </a:p>
+        </p:txBody>
+      </p:sp>
     </p:spTree>
     <p:extLst>
       <p:ext uri="{BB962C8B-B14F-4D97-AF65-F5344CB8AC3E}">
@@ -15994,8 +16007,8 @@
         </p:blipFill>
         <p:spPr>
           <a:xfrm>
-            <a:off x="395536" y="1880433"/>
-            <a:ext cx="8496944" cy="3346384"/>
+            <a:off x="457200" y="1767978"/>
+            <a:ext cx="8681117" cy="3677246"/>
           </a:xfrm>
           <a:prstGeom prst="rect">
             <a:avLst/>
